--- a/AdvanceMotitoringSystem.pptx
+++ b/AdvanceMotitoringSystem.pptx
@@ -3490,6 +3490,23 @@
               <a:rPr lang="en-IN" sz="1800" dirty="0"/>
               <a:t> location -</a:t>
             </a:r>
+            <a:r>
+              <a:rPr lang="en-IN" sz="2000" dirty="0"/>
+              <a:t> </a:t>
+            </a:r>
+            <a:r>
+              <a:rPr lang="en-IN" sz="2000" dirty="0" err="1">
+                <a:hlinkClick r:id="rId2"/>
+              </a:rPr>
+              <a:t>rantunar</a:t>
+            </a:r>
+            <a:r>
+              <a:rPr lang="en-IN" sz="2000" dirty="0">
+                <a:hlinkClick r:id="rId2"/>
+              </a:rPr>
+              <a:t>/Monitoring (github.com)</a:t>
+            </a:r>
+            <a:endParaRPr lang="en-IN" sz="2000" dirty="0"/>
           </a:p>
           <a:p>
             <a:pPr marL="342900" indent="-342900" algn="l">
@@ -3519,7 +3536,7 @@
           <p:nvPr/>
         </p:nvPicPr>
         <p:blipFill>
-          <a:blip r:embed="rId2">
+          <a:blip r:embed="rId3">
             <a:extLst>
               <a:ext uri="{28A0092B-C50C-407E-A947-70E740481C1C}">
                 <a14:useLocalDpi xmlns:a14="http://schemas.microsoft.com/office/drawing/2010/main" val="0"/>

--- a/AdvanceMotitoringSystem.pptx
+++ b/AdvanceMotitoringSystem.pptx
@@ -3386,8 +3386,17 @@
             </a:pPr>
             <a:r>
               <a:rPr lang="en-US" sz="1800" dirty="0"/>
-              <a:t>Advance alert &amp; monitoring system helps to get the notification and solve the application problem before end user report that issue in production, it keeps checking multiple database connectivity and any API failures or slow response to notify the concern persons in advance.</a:t>
-            </a:r>
+              <a:t>Advance alert &amp; monitoring system helps to get the notification and solve the application problem before end user report that issue in production, it keeps checking multiple database connectivity and any API failures or slow response to notify the concern persons in advance. (Based on the input data will be saved to different </a:t>
+            </a:r>
+            <a:r>
+              <a:rPr lang="en-US" sz="1800" dirty="0" err="1"/>
+              <a:t>db</a:t>
+            </a:r>
+            <a:r>
+              <a:rPr lang="en-US" sz="1800"/>
+              <a:t> tables)</a:t>
+            </a:r>
+            <a:endParaRPr lang="en-US" sz="1800" dirty="0"/>
           </a:p>
           <a:p>
             <a:pPr marL="342900" indent="-342900" algn="l">

--- a/AdvanceMotitoringSystem.pptx
+++ b/AdvanceMotitoringSystem.pptx
@@ -262,7 +262,7 @@
           <a:p>
             <a:fld id="{55BFF7A0-21BD-4EEF-9E12-0FA060FECCA3}" type="datetimeFigureOut">
               <a:rPr lang="en-IN" smtClean="0"/>
-              <a:t>27-05-2023</a:t>
+              <a:t>28-05-2023</a:t>
             </a:fld>
             <a:endParaRPr lang="en-IN"/>
           </a:p>
@@ -462,7 +462,7 @@
           <a:p>
             <a:fld id="{55BFF7A0-21BD-4EEF-9E12-0FA060FECCA3}" type="datetimeFigureOut">
               <a:rPr lang="en-IN" smtClean="0"/>
-              <a:t>27-05-2023</a:t>
+              <a:t>28-05-2023</a:t>
             </a:fld>
             <a:endParaRPr lang="en-IN"/>
           </a:p>
@@ -672,7 +672,7 @@
           <a:p>
             <a:fld id="{55BFF7A0-21BD-4EEF-9E12-0FA060FECCA3}" type="datetimeFigureOut">
               <a:rPr lang="en-IN" smtClean="0"/>
-              <a:t>27-05-2023</a:t>
+              <a:t>28-05-2023</a:t>
             </a:fld>
             <a:endParaRPr lang="en-IN"/>
           </a:p>
@@ -872,7 +872,7 @@
           <a:p>
             <a:fld id="{55BFF7A0-21BD-4EEF-9E12-0FA060FECCA3}" type="datetimeFigureOut">
               <a:rPr lang="en-IN" smtClean="0"/>
-              <a:t>27-05-2023</a:t>
+              <a:t>28-05-2023</a:t>
             </a:fld>
             <a:endParaRPr lang="en-IN"/>
           </a:p>
@@ -1148,7 +1148,7 @@
           <a:p>
             <a:fld id="{55BFF7A0-21BD-4EEF-9E12-0FA060FECCA3}" type="datetimeFigureOut">
               <a:rPr lang="en-IN" smtClean="0"/>
-              <a:t>27-05-2023</a:t>
+              <a:t>28-05-2023</a:t>
             </a:fld>
             <a:endParaRPr lang="en-IN"/>
           </a:p>
@@ -1416,7 +1416,7 @@
           <a:p>
             <a:fld id="{55BFF7A0-21BD-4EEF-9E12-0FA060FECCA3}" type="datetimeFigureOut">
               <a:rPr lang="en-IN" smtClean="0"/>
-              <a:t>27-05-2023</a:t>
+              <a:t>28-05-2023</a:t>
             </a:fld>
             <a:endParaRPr lang="en-IN"/>
           </a:p>
@@ -1831,7 +1831,7 @@
           <a:p>
             <a:fld id="{55BFF7A0-21BD-4EEF-9E12-0FA060FECCA3}" type="datetimeFigureOut">
               <a:rPr lang="en-IN" smtClean="0"/>
-              <a:t>27-05-2023</a:t>
+              <a:t>28-05-2023</a:t>
             </a:fld>
             <a:endParaRPr lang="en-IN"/>
           </a:p>
@@ -1973,7 +1973,7 @@
           <a:p>
             <a:fld id="{55BFF7A0-21BD-4EEF-9E12-0FA060FECCA3}" type="datetimeFigureOut">
               <a:rPr lang="en-IN" smtClean="0"/>
-              <a:t>27-05-2023</a:t>
+              <a:t>28-05-2023</a:t>
             </a:fld>
             <a:endParaRPr lang="en-IN"/>
           </a:p>
@@ -2086,7 +2086,7 @@
           <a:p>
             <a:fld id="{55BFF7A0-21BD-4EEF-9E12-0FA060FECCA3}" type="datetimeFigureOut">
               <a:rPr lang="en-IN" smtClean="0"/>
-              <a:t>27-05-2023</a:t>
+              <a:t>28-05-2023</a:t>
             </a:fld>
             <a:endParaRPr lang="en-IN"/>
           </a:p>
@@ -2399,7 +2399,7 @@
           <a:p>
             <a:fld id="{55BFF7A0-21BD-4EEF-9E12-0FA060FECCA3}" type="datetimeFigureOut">
               <a:rPr lang="en-IN" smtClean="0"/>
-              <a:t>27-05-2023</a:t>
+              <a:t>28-05-2023</a:t>
             </a:fld>
             <a:endParaRPr lang="en-IN"/>
           </a:p>
@@ -2688,7 +2688,7 @@
           <a:p>
             <a:fld id="{55BFF7A0-21BD-4EEF-9E12-0FA060FECCA3}" type="datetimeFigureOut">
               <a:rPr lang="en-IN" smtClean="0"/>
-              <a:t>27-05-2023</a:t>
+              <a:t>28-05-2023</a:t>
             </a:fld>
             <a:endParaRPr lang="en-IN"/>
           </a:p>
@@ -2931,7 +2931,7 @@
           <a:p>
             <a:fld id="{55BFF7A0-21BD-4EEF-9E12-0FA060FECCA3}" type="datetimeFigureOut">
               <a:rPr lang="en-IN" smtClean="0"/>
-              <a:t>27-05-2023</a:t>
+              <a:t>28-05-2023</a:t>
             </a:fld>
             <a:endParaRPr lang="en-IN"/>
           </a:p>
@@ -3386,17 +3386,16 @@
             </a:pPr>
             <a:r>
               <a:rPr lang="en-US" sz="1800" dirty="0"/>
-              <a:t>Advance alert &amp; monitoring system helps to get the notification and solve the application problem before end user report that issue in production, it keeps checking multiple database connectivity and any API failures or slow response to notify the concern persons in advance. (Based on the input data will be saved to different </a:t>
+              <a:t>Advance alert &amp; monitoring system helps to get the notification and solve the application problem before end user report that issue in production, it keeps checking multiple database connectivity and any API failures or slow response to notify the concern persons in advance. (Based on the input, data will be saved to different </a:t>
             </a:r>
             <a:r>
               <a:rPr lang="en-US" sz="1800" dirty="0" err="1"/>
               <a:t>db</a:t>
             </a:r>
             <a:r>
-              <a:rPr lang="en-US" sz="1800"/>
+              <a:rPr lang="en-US" sz="1800" dirty="0"/>
               <a:t> tables)</a:t>
             </a:r>
-            <a:endParaRPr lang="en-US" sz="1800" dirty="0"/>
           </a:p>
           <a:p>
             <a:pPr marL="342900" indent="-342900" algn="l">
@@ -3698,7 +3697,19 @@
             </a:pPr>
             <a:r>
               <a:rPr lang="en-US" sz="1800" dirty="0"/>
-              <a:t>The alert will be trigger if either of the value become 0 or GET/POST(500) panel value becomes more than 0.</a:t>
+              <a:t>The alert will be trigger if either of </a:t>
+            </a:r>
+            <a:r>
+              <a:rPr lang="en-US" sz="1800" dirty="0" err="1"/>
+              <a:t>MySql</a:t>
+            </a:r>
+            <a:r>
+              <a:rPr lang="en-US" sz="1800"/>
+              <a:t> Connection/Postgres </a:t>
+            </a:r>
+            <a:r>
+              <a:rPr lang="en-US" sz="1800" dirty="0"/>
+              <a:t>Connection value become 1 or GET/POST(500) panel value becomes more than 0.</a:t>
             </a:r>
           </a:p>
           <a:p>
@@ -3708,7 +3719,7 @@
             </a:pPr>
             <a:r>
               <a:rPr lang="en-US" sz="1800" dirty="0"/>
-              <a:t>Also possible to monitor the max response time of /account/create </a:t>
+              <a:t>It’s also possible to monitor the max response time of /account/create </a:t>
             </a:r>
             <a:r>
               <a:rPr lang="en-US" sz="1800" dirty="0" err="1"/>
@@ -3716,15 +3727,7 @@
             </a:r>
             <a:r>
               <a:rPr lang="en-US" sz="1800" dirty="0"/>
-              <a:t> to determine if it’s more than expected average value or not then the alert can be sent for further investigation </a:t>
-            </a:r>
-            <a:r>
-              <a:rPr lang="en-US" sz="1800"/>
-              <a:t>to identify the </a:t>
-            </a:r>
-            <a:r>
-              <a:rPr lang="en-US" sz="1800" dirty="0"/>
-              <a:t>slowness of API.</a:t>
+              <a:t> to determine if it’s more than expected average value or not then the alert can be sent for further investigation to identify the slowness of API.</a:t>
             </a:r>
           </a:p>
           <a:p>
@@ -3769,8 +3772,8 @@
         </p:blipFill>
         <p:spPr>
           <a:xfrm>
-            <a:off x="571500" y="2714625"/>
-            <a:ext cx="11201400" cy="4067174"/>
+            <a:off x="571499" y="2933699"/>
+            <a:ext cx="11382375" cy="3848099"/>
           </a:xfrm>
           <a:prstGeom prst="rect">
             <a:avLst/>

--- a/AdvanceMotitoringSystem.pptx
+++ b/AdvanceMotitoringSystem.pptx
@@ -262,7 +262,7 @@
           <a:p>
             <a:fld id="{55BFF7A0-21BD-4EEF-9E12-0FA060FECCA3}" type="datetimeFigureOut">
               <a:rPr lang="en-IN" smtClean="0"/>
-              <a:t>28-05-2023</a:t>
+              <a:t>10-06-2023</a:t>
             </a:fld>
             <a:endParaRPr lang="en-IN"/>
           </a:p>
@@ -462,7 +462,7 @@
           <a:p>
             <a:fld id="{55BFF7A0-21BD-4EEF-9E12-0FA060FECCA3}" type="datetimeFigureOut">
               <a:rPr lang="en-IN" smtClean="0"/>
-              <a:t>28-05-2023</a:t>
+              <a:t>10-06-2023</a:t>
             </a:fld>
             <a:endParaRPr lang="en-IN"/>
           </a:p>
@@ -672,7 +672,7 @@
           <a:p>
             <a:fld id="{55BFF7A0-21BD-4EEF-9E12-0FA060FECCA3}" type="datetimeFigureOut">
               <a:rPr lang="en-IN" smtClean="0"/>
-              <a:t>28-05-2023</a:t>
+              <a:t>10-06-2023</a:t>
             </a:fld>
             <a:endParaRPr lang="en-IN"/>
           </a:p>
@@ -872,7 +872,7 @@
           <a:p>
             <a:fld id="{55BFF7A0-21BD-4EEF-9E12-0FA060FECCA3}" type="datetimeFigureOut">
               <a:rPr lang="en-IN" smtClean="0"/>
-              <a:t>28-05-2023</a:t>
+              <a:t>10-06-2023</a:t>
             </a:fld>
             <a:endParaRPr lang="en-IN"/>
           </a:p>
@@ -1148,7 +1148,7 @@
           <a:p>
             <a:fld id="{55BFF7A0-21BD-4EEF-9E12-0FA060FECCA3}" type="datetimeFigureOut">
               <a:rPr lang="en-IN" smtClean="0"/>
-              <a:t>28-05-2023</a:t>
+              <a:t>10-06-2023</a:t>
             </a:fld>
             <a:endParaRPr lang="en-IN"/>
           </a:p>
@@ -1416,7 +1416,7 @@
           <a:p>
             <a:fld id="{55BFF7A0-21BD-4EEF-9E12-0FA060FECCA3}" type="datetimeFigureOut">
               <a:rPr lang="en-IN" smtClean="0"/>
-              <a:t>28-05-2023</a:t>
+              <a:t>10-06-2023</a:t>
             </a:fld>
             <a:endParaRPr lang="en-IN"/>
           </a:p>
@@ -1831,7 +1831,7 @@
           <a:p>
             <a:fld id="{55BFF7A0-21BD-4EEF-9E12-0FA060FECCA3}" type="datetimeFigureOut">
               <a:rPr lang="en-IN" smtClean="0"/>
-              <a:t>28-05-2023</a:t>
+              <a:t>10-06-2023</a:t>
             </a:fld>
             <a:endParaRPr lang="en-IN"/>
           </a:p>
@@ -1973,7 +1973,7 @@
           <a:p>
             <a:fld id="{55BFF7A0-21BD-4EEF-9E12-0FA060FECCA3}" type="datetimeFigureOut">
               <a:rPr lang="en-IN" smtClean="0"/>
-              <a:t>28-05-2023</a:t>
+              <a:t>10-06-2023</a:t>
             </a:fld>
             <a:endParaRPr lang="en-IN"/>
           </a:p>
@@ -2086,7 +2086,7 @@
           <a:p>
             <a:fld id="{55BFF7A0-21BD-4EEF-9E12-0FA060FECCA3}" type="datetimeFigureOut">
               <a:rPr lang="en-IN" smtClean="0"/>
-              <a:t>28-05-2023</a:t>
+              <a:t>10-06-2023</a:t>
             </a:fld>
             <a:endParaRPr lang="en-IN"/>
           </a:p>
@@ -2399,7 +2399,7 @@
           <a:p>
             <a:fld id="{55BFF7A0-21BD-4EEF-9E12-0FA060FECCA3}" type="datetimeFigureOut">
               <a:rPr lang="en-IN" smtClean="0"/>
-              <a:t>28-05-2023</a:t>
+              <a:t>10-06-2023</a:t>
             </a:fld>
             <a:endParaRPr lang="en-IN"/>
           </a:p>
@@ -2688,7 +2688,7 @@
           <a:p>
             <a:fld id="{55BFF7A0-21BD-4EEF-9E12-0FA060FECCA3}" type="datetimeFigureOut">
               <a:rPr lang="en-IN" smtClean="0"/>
-              <a:t>28-05-2023</a:t>
+              <a:t>10-06-2023</a:t>
             </a:fld>
             <a:endParaRPr lang="en-IN"/>
           </a:p>
@@ -2931,7 +2931,7 @@
           <a:p>
             <a:fld id="{55BFF7A0-21BD-4EEF-9E12-0FA060FECCA3}" type="datetimeFigureOut">
               <a:rPr lang="en-IN" smtClean="0"/>
-              <a:t>28-05-2023</a:t>
+              <a:t>10-06-2023</a:t>
             </a:fld>
             <a:endParaRPr lang="en-IN"/>
           </a:p>
@@ -3386,7 +3386,15 @@
             </a:pPr>
             <a:r>
               <a:rPr lang="en-US" sz="1800" dirty="0"/>
-              <a:t>Advance alert &amp; monitoring system helps to get the notification and solve the application problem before end user report that issue in production, it keeps checking multiple database connectivity and any API failures or slow response to notify the concern persons in advance. (Based on the input, data will be saved to different </a:t>
+              <a:t>Advance alert &amp; monitoring system helps to get the notification and solve the application problem before end user report that issue in production, it keeps checking multiple database connectivity, </a:t>
+            </a:r>
+            <a:r>
+              <a:rPr lang="en-US" sz="1800" dirty="0" err="1"/>
+              <a:t>kafka</a:t>
+            </a:r>
+            <a:r>
+              <a:rPr lang="en-US" sz="1800" dirty="0"/>
+              <a:t> connectivity and any API failures or slow response to notify the concern persons in advance. (Based on the input, data will be saved to different </a:t>
             </a:r>
             <a:r>
               <a:rPr lang="en-US" sz="1800" dirty="0" err="1"/>
@@ -3425,23 +3433,23 @@
               <a:buChar char="•"/>
             </a:pPr>
             <a:r>
-              <a:rPr lang="en-IN" sz="1800" dirty="0"/>
+              <a:rPr lang="en-US" sz="1800" dirty="0"/>
               <a:t>Microservice is having two different database connectivity( </a:t>
             </a:r>
             <a:r>
-              <a:rPr lang="en-IN" sz="1800" dirty="0" err="1"/>
+              <a:rPr lang="en-US" sz="1800" dirty="0" err="1"/>
               <a:t>Mysql</a:t>
             </a:r>
             <a:r>
-              <a:rPr lang="en-IN" sz="1800" dirty="0"/>
+              <a:rPr lang="en-US" sz="1800" dirty="0"/>
               <a:t> &amp; </a:t>
             </a:r>
             <a:r>
-              <a:rPr lang="en-IN" sz="1800" dirty="0" err="1"/>
+              <a:rPr lang="en-US" sz="1800" dirty="0" err="1"/>
               <a:t>PostgresSql</a:t>
             </a:r>
             <a:r>
-              <a:rPr lang="en-IN" sz="1800" dirty="0"/>
+              <a:rPr lang="en-US" sz="1800" dirty="0"/>
               <a:t> ).</a:t>
             </a:r>
           </a:p>
@@ -3451,16 +3459,16 @@
               <a:buChar char="•"/>
             </a:pPr>
             <a:r>
-              <a:rPr lang="en-IN" sz="1800" dirty="0"/>
-              <a:t>Monitoring mechanism is needed to trigger an alert in case of either of the DB connectivity goes down and any </a:t>
-            </a:r>
-            <a:r>
-              <a:rPr lang="en-IN" sz="1800" dirty="0" err="1"/>
-              <a:t>api</a:t>
-            </a:r>
-            <a:r>
-              <a:rPr lang="en-IN" sz="1800" dirty="0"/>
-              <a:t> returns 500 response code.</a:t>
+              <a:rPr lang="en-US" sz="1800" dirty="0"/>
+              <a:t>Microservice is having a </a:t>
+            </a:r>
+            <a:r>
+              <a:rPr lang="en-US" sz="1800" dirty="0" err="1"/>
+              <a:t>kafka</a:t>
+            </a:r>
+            <a:r>
+              <a:rPr lang="en-US" sz="1800" dirty="0"/>
+              <a:t> connection as a consumer.</a:t>
             </a:r>
           </a:p>
           <a:p>
@@ -3469,17 +3477,26 @@
               <a:buChar char="•"/>
             </a:pPr>
             <a:r>
-              <a:rPr lang="en-IN" sz="1800" dirty="0"/>
-              <a:t>Technology used are – </a:t>
-            </a:r>
-            <a:r>
-              <a:rPr lang="en-IN" sz="1800" dirty="0" err="1"/>
-              <a:t>springboot</a:t>
-            </a:r>
-            <a:r>
-              <a:rPr lang="en-IN" sz="1800" dirty="0"/>
-              <a:t> actuator, Prometheus, Grafana.</a:t>
-            </a:r>
+              <a:rPr lang="en-US" sz="1800" dirty="0"/>
+              <a:t>Monitoring mechanism is needed to trigger an alert in case of either of the DB connectivity goes down or </a:t>
+            </a:r>
+            <a:r>
+              <a:rPr lang="en-US" sz="1800" dirty="0" err="1"/>
+              <a:t>kafka</a:t>
+            </a:r>
+            <a:r>
+              <a:rPr lang="en-US" sz="1800" dirty="0"/>
+              <a:t> connectivity goes down or any </a:t>
+            </a:r>
+            <a:r>
+              <a:rPr lang="en-US" sz="1800" dirty="0" err="1"/>
+              <a:t>api</a:t>
+            </a:r>
+            <a:r>
+              <a:rPr lang="en-US" sz="1800" dirty="0"/>
+              <a:t> returns 500 response code.</a:t>
+            </a:r>
+            <a:endParaRPr lang="en-IN" sz="1800" dirty="0"/>
           </a:p>
           <a:p>
             <a:pPr marL="342900" indent="-342900" algn="l">
@@ -3488,40 +3505,16 @@
             </a:pPr>
             <a:r>
               <a:rPr lang="en-IN" sz="1800" dirty="0"/>
-              <a:t>Code is in the </a:t>
+              <a:t>Technology used are – </a:t>
             </a:r>
             <a:r>
               <a:rPr lang="en-IN" sz="1800" dirty="0" err="1"/>
-              <a:t>Github</a:t>
+              <a:t>springboot</a:t>
             </a:r>
             <a:r>
               <a:rPr lang="en-IN" sz="1800" dirty="0"/>
-              <a:t> location -</a:t>
-            </a:r>
-            <a:r>
-              <a:rPr lang="en-IN" sz="2000" dirty="0"/>
-              <a:t> </a:t>
-            </a:r>
-            <a:r>
-              <a:rPr lang="en-IN" sz="2000" dirty="0" err="1">
-                <a:hlinkClick r:id="rId2"/>
-              </a:rPr>
-              <a:t>rantunar</a:t>
-            </a:r>
-            <a:r>
-              <a:rPr lang="en-IN" sz="2000" dirty="0">
-                <a:hlinkClick r:id="rId2"/>
-              </a:rPr>
-              <a:t>/Monitoring (github.com)</a:t>
-            </a:r>
-            <a:endParaRPr lang="en-IN" sz="2000" dirty="0"/>
-          </a:p>
-          <a:p>
-            <a:pPr marL="342900" indent="-342900" algn="l">
-              <a:buFont typeface="Arial" panose="020B0604020202020204" pitchFamily="34" charset="0"/>
-              <a:buChar char="•"/>
-            </a:pPr>
-            <a:endParaRPr lang="en-IN" sz="1800" dirty="0"/>
+              <a:t> actuator, Prometheus, Grafana.</a:t>
+            </a:r>
           </a:p>
           <a:p>
             <a:pPr algn="l"/>
@@ -3531,10 +3524,10 @@
       </p:sp>
       <p:pic>
         <p:nvPicPr>
-          <p:cNvPr id="4" name="Picture 3">
-            <a:extLst>
-              <a:ext uri="{FF2B5EF4-FFF2-40B4-BE49-F238E27FC236}">
-                <a16:creationId xmlns:a16="http://schemas.microsoft.com/office/drawing/2014/main" id="{4226560D-BA5C-8B51-8D7E-8D5293468B87}"/>
+          <p:cNvPr id="5" name="Picture 4">
+            <a:extLst>
+              <a:ext uri="{FF2B5EF4-FFF2-40B4-BE49-F238E27FC236}">
+                <a16:creationId xmlns:a16="http://schemas.microsoft.com/office/drawing/2014/main" id="{3041FE8B-7B07-56DA-2BD7-04CF99ACCA3B}"/>
               </a:ext>
             </a:extLst>
           </p:cNvPr>
@@ -3544,7 +3537,7 @@
           <p:nvPr/>
         </p:nvPicPr>
         <p:blipFill>
-          <a:blip r:embed="rId3">
+          <a:blip r:embed="rId2">
             <a:extLst>
               <a:ext uri="{28A0092B-C50C-407E-A947-70E740481C1C}">
                 <a14:useLocalDpi xmlns:a14="http://schemas.microsoft.com/office/drawing/2010/main" val="0"/>
@@ -3557,8 +3550,8 @@
         </p:blipFill>
         <p:spPr>
           <a:xfrm>
-            <a:off x="2857500" y="3733799"/>
-            <a:ext cx="6162675" cy="2932113"/>
+            <a:off x="2524125" y="3590925"/>
+            <a:ext cx="7019925" cy="3200399"/>
           </a:xfrm>
           <a:prstGeom prst="rect">
             <a:avLst/>
@@ -3613,8 +3606,8 @@
         </p:nvSpPr>
         <p:spPr>
           <a:xfrm>
-            <a:off x="142874" y="180975"/>
-            <a:ext cx="11953876" cy="6591300"/>
+            <a:off x="142874" y="76203"/>
+            <a:ext cx="11953876" cy="6696072"/>
           </a:xfrm>
         </p:spPr>
         <p:txBody>
@@ -3633,7 +3626,7 @@
             </a:pPr>
             <a:r>
               <a:rPr lang="en-US" sz="1800" dirty="0"/>
-              <a:t>Dashboard is having 5 major panel (</a:t>
+              <a:t>Dashboard is having 6 major panel (</a:t>
             </a:r>
             <a:r>
               <a:rPr lang="en-US" sz="1800" dirty="0" err="1"/>
@@ -3665,7 +3658,15 @@
             </a:r>
             <a:r>
               <a:rPr lang="en-US" sz="1800" dirty="0"/>
-              <a:t> 500, POST 200 max response time)</a:t>
+              <a:t> 500, POST 200 max response time, </a:t>
+            </a:r>
+            <a:r>
+              <a:rPr lang="en-US" sz="1800" dirty="0" err="1"/>
+              <a:t>kafka</a:t>
+            </a:r>
+            <a:r>
+              <a:rPr lang="en-US" sz="1800" dirty="0"/>
+              <a:t> connection)</a:t>
             </a:r>
           </a:p>
           <a:p>
@@ -3697,6 +3698,16 @@
             </a:pPr>
             <a:r>
               <a:rPr lang="en-US" sz="1800" dirty="0"/>
+              <a:t>Kafka connection value grater than 0 means it connected to brokers where 0 means no connection.</a:t>
+            </a:r>
+          </a:p>
+          <a:p>
+            <a:pPr marL="342900" indent="-342900" algn="l">
+              <a:buFont typeface="Arial" panose="020B0604020202020204" pitchFamily="34" charset="0"/>
+              <a:buChar char="•"/>
+            </a:pPr>
+            <a:r>
+              <a:rPr lang="en-US" sz="1800" dirty="0"/>
               <a:t>The alert will be trigger if either of </a:t>
             </a:r>
             <a:r>
@@ -3704,12 +3715,8 @@
               <a:t>MySql</a:t>
             </a:r>
             <a:r>
-              <a:rPr lang="en-US" sz="1800"/>
-              <a:t> Connection/Postgres </a:t>
-            </a:r>
-            <a:r>
               <a:rPr lang="en-US" sz="1800" dirty="0"/>
-              <a:t>Connection value become 1 or GET/POST(500) panel value becomes more than 0.</a:t>
+              <a:t> Connection/Postgres Connection value become 1 or Kafka Connection value become 0 or GET/POST(500) panel value becomes more than 0.</a:t>
             </a:r>
           </a:p>
           <a:p>
@@ -3772,8 +3779,8 @@
         </p:blipFill>
         <p:spPr>
           <a:xfrm>
-            <a:off x="571499" y="2933699"/>
-            <a:ext cx="11382375" cy="3848099"/>
+            <a:off x="571499" y="3105150"/>
+            <a:ext cx="11382375" cy="3676648"/>
           </a:xfrm>
           <a:prstGeom prst="rect">
             <a:avLst/>
